--- a/Study/statistics/PPT/44. EM 알고리즘.pptx
+++ b/Study/statistics/PPT/44. EM 알고리즘.pptx
@@ -278,7 +278,7 @@
           <a:p>
             <a:fld id="{C254DDE6-ED88-4948-A8C3-30C847B6BF4E}" type="datetimeFigureOut">
               <a:rPr lang="ko-KR" altLang="en-US" smtClean="0"/>
-              <a:t>2020-01-02</a:t>
+              <a:t>2020-01-10</a:t>
             </a:fld>
             <a:endParaRPr lang="ko-KR" altLang="en-US"/>
           </a:p>
@@ -476,7 +476,7 @@
           <a:p>
             <a:fld id="{C254DDE6-ED88-4948-A8C3-30C847B6BF4E}" type="datetimeFigureOut">
               <a:rPr lang="ko-KR" altLang="en-US" smtClean="0"/>
-              <a:t>2020-01-02</a:t>
+              <a:t>2020-01-10</a:t>
             </a:fld>
             <a:endParaRPr lang="ko-KR" altLang="en-US"/>
           </a:p>
@@ -684,7 +684,7 @@
           <a:p>
             <a:fld id="{C254DDE6-ED88-4948-A8C3-30C847B6BF4E}" type="datetimeFigureOut">
               <a:rPr lang="ko-KR" altLang="en-US" smtClean="0"/>
-              <a:t>2020-01-02</a:t>
+              <a:t>2020-01-10</a:t>
             </a:fld>
             <a:endParaRPr lang="ko-KR" altLang="en-US"/>
           </a:p>
@@ -882,7 +882,7 @@
           <a:p>
             <a:fld id="{C254DDE6-ED88-4948-A8C3-30C847B6BF4E}" type="datetimeFigureOut">
               <a:rPr lang="ko-KR" altLang="en-US" smtClean="0"/>
-              <a:t>2020-01-02</a:t>
+              <a:t>2020-01-10</a:t>
             </a:fld>
             <a:endParaRPr lang="ko-KR" altLang="en-US"/>
           </a:p>
@@ -1157,7 +1157,7 @@
           <a:p>
             <a:fld id="{C254DDE6-ED88-4948-A8C3-30C847B6BF4E}" type="datetimeFigureOut">
               <a:rPr lang="ko-KR" altLang="en-US" smtClean="0"/>
-              <a:t>2020-01-02</a:t>
+              <a:t>2020-01-10</a:t>
             </a:fld>
             <a:endParaRPr lang="ko-KR" altLang="en-US"/>
           </a:p>
@@ -1422,7 +1422,7 @@
           <a:p>
             <a:fld id="{C254DDE6-ED88-4948-A8C3-30C847B6BF4E}" type="datetimeFigureOut">
               <a:rPr lang="ko-KR" altLang="en-US" smtClean="0"/>
-              <a:t>2020-01-02</a:t>
+              <a:t>2020-01-10</a:t>
             </a:fld>
             <a:endParaRPr lang="ko-KR" altLang="en-US"/>
           </a:p>
@@ -1834,7 +1834,7 @@
           <a:p>
             <a:fld id="{C254DDE6-ED88-4948-A8C3-30C847B6BF4E}" type="datetimeFigureOut">
               <a:rPr lang="ko-KR" altLang="en-US" smtClean="0"/>
-              <a:t>2020-01-02</a:t>
+              <a:t>2020-01-10</a:t>
             </a:fld>
             <a:endParaRPr lang="ko-KR" altLang="en-US"/>
           </a:p>
@@ -1975,7 +1975,7 @@
           <a:p>
             <a:fld id="{C254DDE6-ED88-4948-A8C3-30C847B6BF4E}" type="datetimeFigureOut">
               <a:rPr lang="ko-KR" altLang="en-US" smtClean="0"/>
-              <a:t>2020-01-02</a:t>
+              <a:t>2020-01-10</a:t>
             </a:fld>
             <a:endParaRPr lang="ko-KR" altLang="en-US"/>
           </a:p>
@@ -2088,7 +2088,7 @@
           <a:p>
             <a:fld id="{C254DDE6-ED88-4948-A8C3-30C847B6BF4E}" type="datetimeFigureOut">
               <a:rPr lang="ko-KR" altLang="en-US" smtClean="0"/>
-              <a:t>2020-01-02</a:t>
+              <a:t>2020-01-10</a:t>
             </a:fld>
             <a:endParaRPr lang="ko-KR" altLang="en-US"/>
           </a:p>
@@ -2399,7 +2399,7 @@
           <a:p>
             <a:fld id="{C254DDE6-ED88-4948-A8C3-30C847B6BF4E}" type="datetimeFigureOut">
               <a:rPr lang="ko-KR" altLang="en-US" smtClean="0"/>
-              <a:t>2020-01-02</a:t>
+              <a:t>2020-01-10</a:t>
             </a:fld>
             <a:endParaRPr lang="ko-KR" altLang="en-US"/>
           </a:p>
@@ -2687,7 +2687,7 @@
           <a:p>
             <a:fld id="{C254DDE6-ED88-4948-A8C3-30C847B6BF4E}" type="datetimeFigureOut">
               <a:rPr lang="ko-KR" altLang="en-US" smtClean="0"/>
-              <a:t>2020-01-02</a:t>
+              <a:t>2020-01-10</a:t>
             </a:fld>
             <a:endParaRPr lang="ko-KR" altLang="en-US"/>
           </a:p>
@@ -2928,7 +2928,7 @@
           <a:p>
             <a:fld id="{C254DDE6-ED88-4948-A8C3-30C847B6BF4E}" type="datetimeFigureOut">
               <a:rPr lang="ko-KR" altLang="en-US" smtClean="0"/>
-              <a:t>2020-01-02</a:t>
+              <a:t>2020-01-10</a:t>
             </a:fld>
             <a:endParaRPr lang="ko-KR" altLang="en-US"/>
           </a:p>
@@ -3460,8 +3460,8 @@
           </a:p>
         </p:txBody>
       </p:sp>
-      <mc:AlternateContent xmlns:mc="http://schemas.openxmlformats.org/markup-compatibility/2006">
-        <mc:Choice xmlns:a14="http://schemas.microsoft.com/office/drawing/2010/main" Requires="a14">
+      <mc:AlternateContent xmlns:mc="http://schemas.openxmlformats.org/markup-compatibility/2006" xmlns:a14="http://schemas.microsoft.com/office/drawing/2010/main">
+        <mc:Choice Requires="a14">
           <p:sp>
             <p:nvSpPr>
               <p:cNvPr id="3" name="내용 개체 틀 2">
@@ -4437,7 +4437,7 @@
                     <m:d>
                       <m:dPr>
                         <m:ctrlPr>
-                          <a:rPr lang="en-US" altLang="ko-KR" sz="2000" b="0" i="0" smtClean="0">
+                          <a:rPr lang="en-US" altLang="ko-KR" sz="2000" b="0" i="1" smtClean="0">
                             <a:latin typeface="Cambria Math" panose="02040503050406030204" pitchFamily="18" charset="0"/>
                           </a:rPr>
                         </m:ctrlPr>
@@ -4651,7 +4651,7 @@
             </p:txBody>
           </p:sp>
         </mc:Choice>
-        <mc:Fallback>
+        <mc:Fallback xmlns="">
           <p:sp>
             <p:nvSpPr>
               <p:cNvPr id="3" name="내용 개체 틀 2">
@@ -4749,8 +4749,8 @@
           </a:p>
         </p:txBody>
       </p:sp>
-      <mc:AlternateContent xmlns:mc="http://schemas.openxmlformats.org/markup-compatibility/2006">
-        <mc:Choice xmlns:a14="http://schemas.microsoft.com/office/drawing/2010/main" Requires="a14">
+      <mc:AlternateContent xmlns:mc="http://schemas.openxmlformats.org/markup-compatibility/2006" xmlns:a14="http://schemas.microsoft.com/office/drawing/2010/main">
+        <mc:Choice Requires="a14">
           <p:sp>
             <p:nvSpPr>
               <p:cNvPr id="3" name="내용 개체 틀 2">
@@ -5290,16 +5290,7 @@
                       <a:rPr lang="en-US" altLang="ko-KR" sz="2000" b="0" i="0" smtClean="0">
                         <a:latin typeface="Cambria Math" panose="02040503050406030204" pitchFamily="18" charset="0"/>
                       </a:rPr>
-                      <m:t>log</m:t>
-                    </m:r>
-                    <m:r>
-                      <m:rPr>
-                        <m:sty m:val="p"/>
-                      </m:rPr>
-                      <a:rPr lang="en-US" altLang="ko-KR" sz="2000" b="0" i="0" smtClean="0">
-                        <a:latin typeface="Cambria Math" panose="02040503050406030204" pitchFamily="18" charset="0"/>
-                      </a:rPr>
-                      <m:t>L</m:t>
+                      <m:t>logL</m:t>
                     </m:r>
                     <m:d>
                       <m:dPr>
@@ -5526,7 +5517,7 @@
                         <m:d>
                           <m:dPr>
                             <m:ctrlPr>
-                              <a:rPr lang="en-US" altLang="ko-KR" sz="2000" b="0" i="0" smtClean="0">
+                              <a:rPr lang="en-US" altLang="ko-KR" sz="2000" b="0" i="1" smtClean="0">
                                 <a:latin typeface="Cambria Math" panose="02040503050406030204" pitchFamily="18" charset="0"/>
                               </a:rPr>
                             </m:ctrlPr>
@@ -6408,16 +6399,7 @@
                           <a:rPr lang="en-US" altLang="ko-KR" sz="2000" b="0" i="0" smtClean="0">
                             <a:latin typeface="Cambria Math" panose="02040503050406030204" pitchFamily="18" charset="0"/>
                           </a:rPr>
-                          <m:t>log</m:t>
-                        </m:r>
-                        <m:r>
-                          <m:rPr>
-                            <m:sty m:val="p"/>
-                          </m:rPr>
-                          <a:rPr lang="en-US" altLang="ko-KR" sz="2000" b="0" i="0" smtClean="0">
-                            <a:latin typeface="Cambria Math" panose="02040503050406030204" pitchFamily="18" charset="0"/>
-                          </a:rPr>
-                          <m:t>k</m:t>
+                          <m:t>logk</m:t>
                         </m:r>
                         <m:d>
                           <m:dPr>
@@ -6908,7 +6890,7 @@
             </p:txBody>
           </p:sp>
         </mc:Choice>
-        <mc:Fallback>
+        <mc:Fallback xmlns="">
           <p:sp>
             <p:nvSpPr>
               <p:cNvPr id="3" name="내용 개체 틀 2">
@@ -7464,13 +7446,10 @@
                 <a14:m>
                   <m:oMath xmlns:m="http://schemas.openxmlformats.org/officeDocument/2006/math">
                     <m:r>
-                      <m:rPr>
-                        <m:sty m:val="p"/>
-                      </m:rPr>
-                      <a:rPr lang="en-US" altLang="ko-KR" sz="2000" b="0" i="0" smtClean="0">
+                      <a:rPr lang="en-US" altLang="ko-KR" sz="2000" i="1">
                         <a:latin typeface="Cambria Math" panose="02040503050406030204" pitchFamily="18" charset="0"/>
                       </a:rPr>
-                      <m:t>k</m:t>
+                      <m:t>𝑔</m:t>
                     </m:r>
                     <m:d>
                       <m:dPr>
@@ -7482,25 +7461,22 @@
                       </m:dPr>
                       <m:e>
                         <m:r>
-                          <a:rPr lang="en-US" altLang="ko-KR" sz="2000" b="0" i="1" smtClean="0">
-                            <a:latin typeface="Cambria Math" panose="02040503050406030204" pitchFamily="18" charset="0"/>
-                          </a:rPr>
-                          <m:t>𝑧</m:t>
-                        </m:r>
-                        <m:r>
-                          <a:rPr lang="en-US" altLang="ko-KR" sz="2000" b="0" i="1" smtClean="0">
-                            <a:latin typeface="Cambria Math" panose="02040503050406030204" pitchFamily="18" charset="0"/>
-                          </a:rPr>
-                          <m:t>|</m:t>
+                          <a:rPr lang="en-US" altLang="ko-KR" sz="2000" i="1">
+                            <a:latin typeface="Cambria Math" panose="02040503050406030204" pitchFamily="18" charset="0"/>
+                          </a:rPr>
+                          <m:t>𝑥</m:t>
+                        </m:r>
+                        <m:r>
+                          <a:rPr lang="en-US" altLang="ko-KR" sz="2000" i="1">
+                            <a:latin typeface="Cambria Math" panose="02040503050406030204" pitchFamily="18" charset="0"/>
+                          </a:rPr>
+                          <m:t>;</m:t>
                         </m:r>
                         <m:acc>
                           <m:accPr>
                             <m:chr m:val="̂"/>
                             <m:ctrlPr>
-                              <a:rPr lang="el-GR" altLang="ko-KR" sz="2000" i="1" smtClean="0">
-                                <a:solidFill>
-                                  <a:schemeClr val="tx1"/>
-                                </a:solidFill>
+                              <a:rPr lang="el-GR" altLang="ko-KR" sz="2000" i="1">
                                 <a:latin typeface="Cambria Math" panose="02040503050406030204" pitchFamily="18" charset="0"/>
                                 <a:ea typeface="Cambria Math" panose="02040503050406030204" pitchFamily="18" charset="0"/>
                               </a:rPr>
@@ -7511,10 +7487,7 @@
                               <m:rPr>
                                 <m:sty m:val="p"/>
                               </m:rPr>
-                              <a:rPr lang="el-GR" altLang="ko-KR" sz="2000" i="1" smtClean="0">
-                                <a:solidFill>
-                                  <a:schemeClr val="tx1"/>
-                                </a:solidFill>
+                              <a:rPr lang="el-GR" altLang="ko-KR" sz="2000" i="1">
                                 <a:latin typeface="Cambria Math" panose="02040503050406030204" pitchFamily="18" charset="0"/>
                                 <a:ea typeface="Cambria Math" panose="02040503050406030204" pitchFamily="18" charset="0"/>
                               </a:rPr>
@@ -7522,27 +7495,20 @@
                             </m:r>
                           </m:e>
                         </m:acc>
-                        <m:r>
-                          <a:rPr lang="en-US" altLang="ko-KR" sz="2000" b="0" i="1" smtClean="0">
-                            <a:latin typeface="Cambria Math" panose="02040503050406030204" pitchFamily="18" charset="0"/>
-                            <a:ea typeface="Cambria Math" panose="02040503050406030204" pitchFamily="18" charset="0"/>
-                          </a:rPr>
-                          <m:t>,</m:t>
-                        </m:r>
-                        <m:r>
-                          <a:rPr lang="en-US" altLang="ko-KR" sz="2000" b="0" i="1" smtClean="0">
-                            <a:latin typeface="Cambria Math" panose="02040503050406030204" pitchFamily="18" charset="0"/>
-                            <a:ea typeface="Cambria Math" panose="02040503050406030204" pitchFamily="18" charset="0"/>
-                          </a:rPr>
-                          <m:t>𝑋</m:t>
-                        </m:r>
                       </m:e>
                     </m:d>
+                    <m:r>
+                      <a:rPr lang="el-GR" altLang="ko-KR" sz="2000" i="1">
+                        <a:latin typeface="Cambria Math" panose="02040503050406030204" pitchFamily="18" charset="0"/>
+                        <a:ea typeface="Cambria Math" panose="02040503050406030204" pitchFamily="18" charset="0"/>
+                      </a:rPr>
+                      <m:t> </m:t>
+                    </m:r>
                   </m:oMath>
                 </a14:m>
                 <a:r>
                   <a:rPr lang="en-US" altLang="ko-KR" sz="2000" dirty="0"/>
-                  <a:t> = </a:t>
+                  <a:t>= </a:t>
                 </a:r>
                 <a14:m>
                   <m:oMath xmlns:m="http://schemas.openxmlformats.org/officeDocument/2006/math">
@@ -7631,10 +7597,13 @@
                       </m:num>
                       <m:den>
                         <m:r>
-                          <a:rPr lang="en-US" altLang="ko-KR" sz="2000" b="0" i="1" smtClean="0">
-                            <a:latin typeface="Cambria Math" panose="02040503050406030204" pitchFamily="18" charset="0"/>
-                          </a:rPr>
-                          <m:t>𝑔</m:t>
+                          <m:rPr>
+                            <m:sty m:val="p"/>
+                          </m:rPr>
+                          <a:rPr lang="en-US" altLang="ko-KR" sz="2000">
+                            <a:latin typeface="Cambria Math" panose="02040503050406030204" pitchFamily="18" charset="0"/>
+                          </a:rPr>
+                          <m:t>k</m:t>
                         </m:r>
                         <m:d>
                           <m:dPr>
@@ -7646,25 +7615,22 @@
                           </m:dPr>
                           <m:e>
                             <m:r>
-                              <a:rPr lang="en-US" altLang="ko-KR" sz="2000" b="0" i="1" smtClean="0">
-                                <a:latin typeface="Cambria Math" panose="02040503050406030204" pitchFamily="18" charset="0"/>
-                              </a:rPr>
-                              <m:t>𝑥</m:t>
-                            </m:r>
-                            <m:r>
-                              <a:rPr lang="en-US" altLang="ko-KR" sz="2000" b="0" i="1" smtClean="0">
-                                <a:latin typeface="Cambria Math" panose="02040503050406030204" pitchFamily="18" charset="0"/>
-                              </a:rPr>
-                              <m:t>;</m:t>
+                              <a:rPr lang="en-US" altLang="ko-KR" sz="2000" i="1">
+                                <a:latin typeface="Cambria Math" panose="02040503050406030204" pitchFamily="18" charset="0"/>
+                              </a:rPr>
+                              <m:t>𝑧</m:t>
+                            </m:r>
+                            <m:r>
+                              <a:rPr lang="en-US" altLang="ko-KR" sz="2000" i="1">
+                                <a:latin typeface="Cambria Math" panose="02040503050406030204" pitchFamily="18" charset="0"/>
+                              </a:rPr>
+                              <m:t>|</m:t>
                             </m:r>
                             <m:acc>
                               <m:accPr>
                                 <m:chr m:val="̂"/>
                                 <m:ctrlPr>
-                                  <a:rPr lang="el-GR" altLang="ko-KR" sz="2000" i="1" smtClean="0">
-                                    <a:solidFill>
-                                      <a:schemeClr val="tx1"/>
-                                    </a:solidFill>
+                                  <a:rPr lang="el-GR" altLang="ko-KR" sz="2000" i="1">
                                     <a:latin typeface="Cambria Math" panose="02040503050406030204" pitchFamily="18" charset="0"/>
                                     <a:ea typeface="Cambria Math" panose="02040503050406030204" pitchFamily="18" charset="0"/>
                                   </a:rPr>
@@ -7675,10 +7641,7 @@
                                   <m:rPr>
                                     <m:sty m:val="p"/>
                                   </m:rPr>
-                                  <a:rPr lang="el-GR" altLang="ko-KR" sz="2000" i="1" smtClean="0">
-                                    <a:solidFill>
-                                      <a:schemeClr val="tx1"/>
-                                    </a:solidFill>
+                                  <a:rPr lang="el-GR" altLang="ko-KR" sz="2000" i="1">
                                     <a:latin typeface="Cambria Math" panose="02040503050406030204" pitchFamily="18" charset="0"/>
                                     <a:ea typeface="Cambria Math" panose="02040503050406030204" pitchFamily="18" charset="0"/>
                                   </a:rPr>
@@ -7686,6 +7649,20 @@
                                 </m:r>
                               </m:e>
                             </m:acc>
+                            <m:r>
+                              <a:rPr lang="en-US" altLang="ko-KR" sz="2000" i="1">
+                                <a:latin typeface="Cambria Math" panose="02040503050406030204" pitchFamily="18" charset="0"/>
+                                <a:ea typeface="Cambria Math" panose="02040503050406030204" pitchFamily="18" charset="0"/>
+                              </a:rPr>
+                              <m:t>,</m:t>
+                            </m:r>
+                            <m:r>
+                              <a:rPr lang="en-US" altLang="ko-KR" sz="2000" i="1">
+                                <a:latin typeface="Cambria Math" panose="02040503050406030204" pitchFamily="18" charset="0"/>
+                                <a:ea typeface="Cambria Math" panose="02040503050406030204" pitchFamily="18" charset="0"/>
+                              </a:rPr>
+                              <m:t>𝑋</m:t>
+                            </m:r>
                           </m:e>
                         </m:d>
                       </m:den>
@@ -7694,15 +7671,7 @@
                 </a14:m>
                 <a:r>
                   <a:rPr lang="ko-KR" altLang="en-US" sz="2000" dirty="0"/>
-                  <a:t> 에서 잠재변수 </a:t>
-                </a:r>
-                <a:r>
-                  <a:rPr lang="en-US" altLang="ko-KR" sz="2000" dirty="0"/>
-                  <a:t>K</a:t>
-                </a:r>
-                <a:r>
-                  <a:rPr lang="ko-KR" altLang="en-US" sz="2000" dirty="0"/>
-                  <a:t>의 </a:t>
+                  <a:t> 에서 관측된 </a:t>
                 </a:r>
                 <a:r>
                   <a:rPr lang="ko-KR" altLang="en-US" sz="2000" dirty="0" err="1"/>
@@ -7715,13 +7684,10 @@
                 <a14:m>
                   <m:oMath xmlns:m="http://schemas.openxmlformats.org/officeDocument/2006/math">
                     <m:r>
-                      <m:rPr>
-                        <m:sty m:val="p"/>
-                      </m:rPr>
-                      <a:rPr lang="en-US" altLang="ko-KR" sz="2000" b="0" i="0" smtClean="0">
+                      <a:rPr lang="en-US" altLang="ko-KR" sz="2000" i="1">
                         <a:latin typeface="Cambria Math" panose="02040503050406030204" pitchFamily="18" charset="0"/>
                       </a:rPr>
-                      <m:t>k</m:t>
+                      <m:t>𝑔</m:t>
                     </m:r>
                     <m:d>
                       <m:dPr>
@@ -7733,25 +7699,22 @@
                       </m:dPr>
                       <m:e>
                         <m:r>
-                          <a:rPr lang="en-US" altLang="ko-KR" sz="2000" b="0" i="1" smtClean="0">
-                            <a:latin typeface="Cambria Math" panose="02040503050406030204" pitchFamily="18" charset="0"/>
-                          </a:rPr>
-                          <m:t>𝑧</m:t>
-                        </m:r>
-                        <m:r>
-                          <a:rPr lang="en-US" altLang="ko-KR" sz="2000" b="0" i="1" smtClean="0">
-                            <a:latin typeface="Cambria Math" panose="02040503050406030204" pitchFamily="18" charset="0"/>
-                          </a:rPr>
-                          <m:t>|</m:t>
+                          <a:rPr lang="en-US" altLang="ko-KR" sz="2000" i="1">
+                            <a:latin typeface="Cambria Math" panose="02040503050406030204" pitchFamily="18" charset="0"/>
+                          </a:rPr>
+                          <m:t>𝑥</m:t>
+                        </m:r>
+                        <m:r>
+                          <a:rPr lang="en-US" altLang="ko-KR" sz="2000" i="1">
+                            <a:latin typeface="Cambria Math" panose="02040503050406030204" pitchFamily="18" charset="0"/>
+                          </a:rPr>
+                          <m:t>;</m:t>
                         </m:r>
                         <m:acc>
                           <m:accPr>
                             <m:chr m:val="̂"/>
                             <m:ctrlPr>
-                              <a:rPr lang="el-GR" altLang="ko-KR" sz="2000" i="1" smtClean="0">
-                                <a:solidFill>
-                                  <a:schemeClr val="tx1"/>
-                                </a:solidFill>
+                              <a:rPr lang="el-GR" altLang="ko-KR" sz="2000" i="1">
                                 <a:latin typeface="Cambria Math" panose="02040503050406030204" pitchFamily="18" charset="0"/>
                                 <a:ea typeface="Cambria Math" panose="02040503050406030204" pitchFamily="18" charset="0"/>
                               </a:rPr>
@@ -7762,10 +7725,7 @@
                               <m:rPr>
                                 <m:sty m:val="p"/>
                               </m:rPr>
-                              <a:rPr lang="el-GR" altLang="ko-KR" sz="2000" i="1" smtClean="0">
-                                <a:solidFill>
-                                  <a:schemeClr val="tx1"/>
-                                </a:solidFill>
+                              <a:rPr lang="el-GR" altLang="ko-KR" sz="2000" i="1">
                                 <a:latin typeface="Cambria Math" panose="02040503050406030204" pitchFamily="18" charset="0"/>
                                 <a:ea typeface="Cambria Math" panose="02040503050406030204" pitchFamily="18" charset="0"/>
                               </a:rPr>
@@ -7773,29 +7733,8 @@
                             </m:r>
                           </m:e>
                         </m:acc>
-                        <m:r>
-                          <a:rPr lang="en-US" altLang="ko-KR" sz="2000" b="0" i="1" smtClean="0">
-                            <a:latin typeface="Cambria Math" panose="02040503050406030204" pitchFamily="18" charset="0"/>
-                            <a:ea typeface="Cambria Math" panose="02040503050406030204" pitchFamily="18" charset="0"/>
-                          </a:rPr>
-                          <m:t>,</m:t>
-                        </m:r>
-                        <m:r>
-                          <a:rPr lang="en-US" altLang="ko-KR" sz="2000" b="0" i="1" smtClean="0">
-                            <a:latin typeface="Cambria Math" panose="02040503050406030204" pitchFamily="18" charset="0"/>
-                            <a:ea typeface="Cambria Math" panose="02040503050406030204" pitchFamily="18" charset="0"/>
-                          </a:rPr>
-                          <m:t>𝑋</m:t>
-                        </m:r>
                       </m:e>
                     </m:d>
-                    <m:r>
-                      <a:rPr lang="en-US" altLang="ko-KR" sz="2000" b="0" i="1" smtClean="0">
-                        <a:latin typeface="Cambria Math" panose="02040503050406030204" pitchFamily="18" charset="0"/>
-                        <a:ea typeface="Cambria Math" panose="02040503050406030204" pitchFamily="18" charset="0"/>
-                      </a:rPr>
-                      <m:t> </m:t>
-                    </m:r>
                   </m:oMath>
                 </a14:m>
                 <a:r>
@@ -8389,8 +8328,8 @@
           </a:p>
         </p:txBody>
       </p:sp>
-      <mc:AlternateContent xmlns:mc="http://schemas.openxmlformats.org/markup-compatibility/2006">
-        <mc:Choice xmlns:a14="http://schemas.microsoft.com/office/drawing/2010/main" Requires="a14">
+      <mc:AlternateContent xmlns:mc="http://schemas.openxmlformats.org/markup-compatibility/2006" xmlns:a14="http://schemas.microsoft.com/office/drawing/2010/main">
+        <mc:Choice Requires="a14">
           <p:sp>
             <p:nvSpPr>
               <p:cNvPr id="3" name="내용 개체 틀 2">
@@ -8950,7 +8889,7 @@
             </p:txBody>
           </p:sp>
         </mc:Choice>
-        <mc:Fallback>
+        <mc:Fallback xmlns="">
           <p:sp>
             <p:nvSpPr>
               <p:cNvPr id="3" name="내용 개체 틀 2">
@@ -9048,8 +8987,8 @@
           </a:p>
         </p:txBody>
       </p:sp>
-      <mc:AlternateContent xmlns:mc="http://schemas.openxmlformats.org/markup-compatibility/2006">
-        <mc:Choice xmlns:a14="http://schemas.microsoft.com/office/drawing/2010/main" Requires="a14">
+      <mc:AlternateContent xmlns:mc="http://schemas.openxmlformats.org/markup-compatibility/2006" xmlns:a14="http://schemas.microsoft.com/office/drawing/2010/main">
+        <mc:Choice Requires="a14">
           <p:sp>
             <p:nvSpPr>
               <p:cNvPr id="3" name="내용 개체 틀 2">
@@ -10989,7 +10928,7 @@
             </p:txBody>
           </p:sp>
         </mc:Choice>
-        <mc:Fallback>
+        <mc:Fallback xmlns="">
           <p:sp>
             <p:nvSpPr>
               <p:cNvPr id="3" name="내용 개체 틀 2">
@@ -11087,8 +11026,8 @@
           </a:p>
         </p:txBody>
       </p:sp>
-      <mc:AlternateContent xmlns:mc="http://schemas.openxmlformats.org/markup-compatibility/2006">
-        <mc:Choice xmlns:a14="http://schemas.microsoft.com/office/drawing/2010/main" Requires="a14">
+      <mc:AlternateContent xmlns:mc="http://schemas.openxmlformats.org/markup-compatibility/2006" xmlns:a14="http://schemas.microsoft.com/office/drawing/2010/main">
+        <mc:Choice Requires="a14">
           <p:sp>
             <p:nvSpPr>
               <p:cNvPr id="3" name="내용 개체 틀 2">
@@ -13285,7 +13224,7 @@
             </p:txBody>
           </p:sp>
         </mc:Choice>
-        <mc:Fallback>
+        <mc:Fallback xmlns="">
           <p:sp>
             <p:nvSpPr>
               <p:cNvPr id="3" name="내용 개체 틀 2">
@@ -13383,8 +13322,8 @@
           </a:p>
         </p:txBody>
       </p:sp>
-      <mc:AlternateContent xmlns:mc="http://schemas.openxmlformats.org/markup-compatibility/2006">
-        <mc:Choice xmlns:a14="http://schemas.microsoft.com/office/drawing/2010/main" Requires="a14">
+      <mc:AlternateContent xmlns:mc="http://schemas.openxmlformats.org/markup-compatibility/2006" xmlns:a14="http://schemas.microsoft.com/office/drawing/2010/main">
+        <mc:Choice Requires="a14">
           <p:sp>
             <p:nvSpPr>
               <p:cNvPr id="3" name="내용 개체 틀 2">
@@ -13579,7 +13518,7 @@
                             <a:latin typeface="Cambria Math" panose="02040503050406030204" pitchFamily="18" charset="0"/>
                             <a:ea typeface="Cambria Math" panose="02040503050406030204" pitchFamily="18" charset="0"/>
                           </a:rPr>
-                          <m:t>∂</m:t>
+                          <m:t>𝜕</m:t>
                         </m:r>
                         <m:r>
                           <a:rPr lang="en-US" altLang="ko-KR" sz="2000" b="0" i="1" smtClean="0">
@@ -14947,7 +14886,7 @@
             </p:txBody>
           </p:sp>
         </mc:Choice>
-        <mc:Fallback>
+        <mc:Fallback xmlns="">
           <p:sp>
             <p:nvSpPr>
               <p:cNvPr id="3" name="내용 개체 틀 2">
@@ -15045,8 +14984,8 @@
           </a:p>
         </p:txBody>
       </p:sp>
-      <mc:AlternateContent xmlns:mc="http://schemas.openxmlformats.org/markup-compatibility/2006">
-        <mc:Choice xmlns:a14="http://schemas.microsoft.com/office/drawing/2010/main" Requires="a14">
+      <mc:AlternateContent xmlns:mc="http://schemas.openxmlformats.org/markup-compatibility/2006" xmlns:a14="http://schemas.microsoft.com/office/drawing/2010/main">
+        <mc:Choice Requires="a14">
           <p:sp>
             <p:nvSpPr>
               <p:cNvPr id="3" name="내용 개체 틀 2">
@@ -15175,7 +15114,7 @@
                             <a:latin typeface="Cambria Math" panose="02040503050406030204" pitchFamily="18" charset="0"/>
                             <a:ea typeface="Cambria Math" panose="02040503050406030204" pitchFamily="18" charset="0"/>
                           </a:rPr>
-                          <m:t>∂</m:t>
+                          <m:t>𝜕</m:t>
                         </m:r>
                         <m:r>
                           <a:rPr lang="en-US" altLang="ko-KR" sz="2000" b="0" i="1" smtClean="0">
@@ -15344,13 +15283,7 @@
                               <a:rPr lang="en-US" altLang="ko-KR" sz="2000" b="0" i="1" smtClean="0">
                                 <a:latin typeface="Cambria Math" panose="02040503050406030204" pitchFamily="18" charset="0"/>
                               </a:rPr>
-                              <m:t>=</m:t>
-                            </m:r>
-                            <m:r>
-                              <a:rPr lang="en-US" altLang="ko-KR" sz="2000" b="0" i="1" smtClean="0">
-                                <a:latin typeface="Cambria Math" panose="02040503050406030204" pitchFamily="18" charset="0"/>
-                              </a:rPr>
-                              <m:t>1</m:t>
+                              <m:t>=1</m:t>
                             </m:r>
                           </m:sub>
                           <m:sup>
@@ -15732,14 +15665,7 @@
                                     <a:latin typeface="Cambria Math" panose="02040503050406030204" pitchFamily="18" charset="0"/>
                                     <a:ea typeface="Cambria Math" panose="02040503050406030204" pitchFamily="18" charset="0"/>
                                   </a:rPr>
-                                  <m:t>1</m:t>
-                                </m:r>
-                                <m:r>
-                                  <a:rPr lang="en-US" altLang="ko-KR" sz="2000" b="0" i="1" smtClean="0">
-                                    <a:latin typeface="Cambria Math" panose="02040503050406030204" pitchFamily="18" charset="0"/>
-                                    <a:ea typeface="Cambria Math" panose="02040503050406030204" pitchFamily="18" charset="0"/>
-                                  </a:rPr>
-                                  <m:t>−</m:t>
+                                  <m:t>1−</m:t>
                                 </m:r>
                                 <m:r>
                                   <a:rPr lang="en-US" altLang="ko-KR" sz="2000" b="0" i="1" smtClean="0">
@@ -16556,7 +16482,7 @@
                     <m:f>
                       <m:fPr>
                         <m:ctrlPr>
-                          <a:rPr lang="en-US" altLang="ko-KR" sz="2000" b="0" i="0" smtClean="0">
+                          <a:rPr lang="en-US" altLang="ko-KR" sz="2000" b="0" i="1" smtClean="0">
                             <a:latin typeface="Cambria Math" panose="02040503050406030204" pitchFamily="18" charset="0"/>
                             <a:ea typeface="Cambria Math" panose="02040503050406030204" pitchFamily="18" charset="0"/>
                           </a:rPr>
@@ -16760,7 +16686,7 @@
                         <m:d>
                           <m:dPr>
                             <m:ctrlPr>
-                              <a:rPr lang="en-US" altLang="ko-KR" sz="2000" b="0" i="0" smtClean="0">
+                              <a:rPr lang="en-US" altLang="ko-KR" sz="2000" b="0" i="1" smtClean="0">
                                 <a:latin typeface="Cambria Math" panose="02040503050406030204" pitchFamily="18" charset="0"/>
                                 <a:ea typeface="Cambria Math" panose="02040503050406030204" pitchFamily="18" charset="0"/>
                               </a:rPr>
@@ -16772,14 +16698,7 @@
                                 <a:latin typeface="Cambria Math" panose="02040503050406030204" pitchFamily="18" charset="0"/>
                                 <a:ea typeface="Cambria Math" panose="02040503050406030204" pitchFamily="18" charset="0"/>
                               </a:rPr>
-                              <m:t>−</m:t>
-                            </m:r>
-                            <m:r>
-                              <a:rPr lang="en-US" altLang="ko-KR" sz="2000" b="0" i="0" smtClean="0">
-                                <a:latin typeface="Cambria Math" panose="02040503050406030204" pitchFamily="18" charset="0"/>
-                                <a:ea typeface="Cambria Math" panose="02040503050406030204" pitchFamily="18" charset="0"/>
-                              </a:rPr>
-                              <m:t>1</m:t>
+                              <m:t>−1</m:t>
                             </m:r>
                           </m:e>
                         </m:d>
@@ -17047,13 +16966,7 @@
                               <a:rPr lang="en-US" altLang="ko-KR" sz="2000" b="0" i="1" smtClean="0">
                                 <a:latin typeface="Cambria Math" panose="02040503050406030204" pitchFamily="18" charset="0"/>
                               </a:rPr>
-                              <m:t>=</m:t>
-                            </m:r>
-                            <m:r>
-                              <a:rPr lang="en-US" altLang="ko-KR" sz="2000" b="0" i="1" smtClean="0">
-                                <a:latin typeface="Cambria Math" panose="02040503050406030204" pitchFamily="18" charset="0"/>
-                              </a:rPr>
-                              <m:t>1</m:t>
+                              <m:t>=1</m:t>
                             </m:r>
                           </m:sub>
                           <m:sup>
@@ -17261,14 +17174,7 @@
                                     <a:latin typeface="Cambria Math" panose="02040503050406030204" pitchFamily="18" charset="0"/>
                                     <a:ea typeface="Cambria Math" panose="02040503050406030204" pitchFamily="18" charset="0"/>
                                   </a:rPr>
-                                  <m:t>1</m:t>
-                                </m:r>
-                                <m:r>
-                                  <a:rPr lang="en-US" altLang="ko-KR" sz="2000" b="0" i="1" smtClean="0">
-                                    <a:latin typeface="Cambria Math" panose="02040503050406030204" pitchFamily="18" charset="0"/>
-                                    <a:ea typeface="Cambria Math" panose="02040503050406030204" pitchFamily="18" charset="0"/>
-                                  </a:rPr>
-                                  <m:t>−</m:t>
+                                  <m:t>1−</m:t>
                                 </m:r>
                                 <m:r>
                                   <a:rPr lang="en-US" altLang="ko-KR" sz="2000" b="0" i="1" smtClean="0">
@@ -17344,17 +17250,7 @@
                                 <a:latin typeface="Cambria Math" panose="02040503050406030204" pitchFamily="18" charset="0"/>
                                 <a:ea typeface="Cambria Math" panose="02040503050406030204" pitchFamily="18" charset="0"/>
                               </a:rPr>
-                              <m:t>−</m:t>
-                            </m:r>
-                            <m:r>
-                              <a:rPr lang="en-US" altLang="ko-KR" sz="2000" b="0" i="1" smtClean="0">
-                                <a:solidFill>
-                                  <a:schemeClr val="tx1"/>
-                                </a:solidFill>
-                                <a:latin typeface="Cambria Math" panose="02040503050406030204" pitchFamily="18" charset="0"/>
-                                <a:ea typeface="Cambria Math" panose="02040503050406030204" pitchFamily="18" charset="0"/>
-                              </a:rPr>
-                              <m:t>1</m:t>
+                              <m:t>−1</m:t>
                             </m:r>
                           </m:sup>
                         </m:sSup>
@@ -17802,14 +17698,7 @@
                                 <a:latin typeface="Cambria Math" panose="02040503050406030204" pitchFamily="18" charset="0"/>
                                 <a:ea typeface="Cambria Math" panose="02040503050406030204" pitchFamily="18" charset="0"/>
                               </a:rPr>
-                              <m:t>1</m:t>
-                            </m:r>
-                            <m:r>
-                              <a:rPr lang="en-US" altLang="ko-KR" sz="2000" b="0" i="1" smtClean="0">
-                                <a:latin typeface="Cambria Math" panose="02040503050406030204" pitchFamily="18" charset="0"/>
-                                <a:ea typeface="Cambria Math" panose="02040503050406030204" pitchFamily="18" charset="0"/>
-                              </a:rPr>
-                              <m:t>−</m:t>
+                              <m:t>1−</m:t>
                             </m:r>
                             <m:r>
                               <a:rPr lang="en-US" altLang="ko-KR" sz="2000" b="0" i="1" smtClean="0">
@@ -18135,14 +18024,7 @@
                             <a:latin typeface="Cambria Math" panose="02040503050406030204" pitchFamily="18" charset="0"/>
                             <a:ea typeface="Cambria Math" panose="02040503050406030204" pitchFamily="18" charset="0"/>
                           </a:rPr>
-                          <m:t>1</m:t>
-                        </m:r>
-                        <m:r>
-                          <a:rPr lang="en-US" altLang="ko-KR" sz="2000" b="0" i="1" smtClean="0">
-                            <a:latin typeface="Cambria Math" panose="02040503050406030204" pitchFamily="18" charset="0"/>
-                            <a:ea typeface="Cambria Math" panose="02040503050406030204" pitchFamily="18" charset="0"/>
-                          </a:rPr>
-                          <m:t>−</m:t>
+                          <m:t>1−</m:t>
                         </m:r>
                         <m:r>
                           <a:rPr lang="en-US" altLang="ko-KR" sz="2000" b="0" i="1" smtClean="0">
@@ -18505,14 +18387,7 @@
                             <a:latin typeface="Cambria Math" panose="02040503050406030204" pitchFamily="18" charset="0"/>
                             <a:ea typeface="Cambria Math" panose="02040503050406030204" pitchFamily="18" charset="0"/>
                           </a:rPr>
-                          <m:t>1</m:t>
-                        </m:r>
-                        <m:r>
-                          <a:rPr lang="en-US" altLang="ko-KR" sz="2000" b="0" i="1" smtClean="0">
-                            <a:latin typeface="Cambria Math" panose="02040503050406030204" pitchFamily="18" charset="0"/>
-                            <a:ea typeface="Cambria Math" panose="02040503050406030204" pitchFamily="18" charset="0"/>
-                          </a:rPr>
-                          <m:t>−</m:t>
+                          <m:t>1−</m:t>
                         </m:r>
                         <m:r>
                           <a:rPr lang="en-US" altLang="ko-KR" sz="2000" b="0" i="1" smtClean="0">
@@ -18965,14 +18840,7 @@
                             <a:latin typeface="Cambria Math" panose="02040503050406030204" pitchFamily="18" charset="0"/>
                             <a:ea typeface="Cambria Math" panose="02040503050406030204" pitchFamily="18" charset="0"/>
                           </a:rPr>
-                          <m:t>1</m:t>
-                        </m:r>
-                        <m:r>
-                          <a:rPr lang="en-US" altLang="ko-KR" sz="2000" b="0" i="1" smtClean="0">
-                            <a:latin typeface="Cambria Math" panose="02040503050406030204" pitchFamily="18" charset="0"/>
-                            <a:ea typeface="Cambria Math" panose="02040503050406030204" pitchFamily="18" charset="0"/>
-                          </a:rPr>
-                          <m:t>−</m:t>
+                          <m:t>1−</m:t>
                         </m:r>
                         <m:r>
                           <a:rPr lang="en-US" altLang="ko-KR" sz="2000" b="0" i="1" smtClean="0">
@@ -19451,14 +19319,7 @@
                             <a:latin typeface="Cambria Math" panose="02040503050406030204" pitchFamily="18" charset="0"/>
                             <a:ea typeface="Cambria Math" panose="02040503050406030204" pitchFamily="18" charset="0"/>
                           </a:rPr>
-                          <m:t>1</m:t>
-                        </m:r>
-                        <m:r>
-                          <a:rPr lang="en-US" altLang="ko-KR" sz="2000" b="0" i="1" smtClean="0">
-                            <a:latin typeface="Cambria Math" panose="02040503050406030204" pitchFamily="18" charset="0"/>
-                            <a:ea typeface="Cambria Math" panose="02040503050406030204" pitchFamily="18" charset="0"/>
-                          </a:rPr>
-                          <m:t>−</m:t>
+                          <m:t>1−</m:t>
                         </m:r>
                         <m:r>
                           <a:rPr lang="en-US" altLang="ko-KR" sz="2000" b="0" i="1" smtClean="0">
@@ -19613,7 +19474,7 @@
             </p:txBody>
           </p:sp>
         </mc:Choice>
-        <mc:Fallback>
+        <mc:Fallback xmlns="">
           <p:sp>
             <p:nvSpPr>
               <p:cNvPr id="3" name="내용 개체 틀 2">
